--- a/course/Module_08_ios_language_swift_1.pptx
+++ b/course/Module_08_ios_language_swift_1.pptx
@@ -5930,9 +5930,7 @@
               <a:rPr lang="en-US" sz="2844" b="1" dirty="0">
                 <a:ln w="0"/>
                 <a:solidFill>
-                  <a:srgbClr val="4BACC6">
-                    <a:lumMod val="75000"/>
-                  </a:srgbClr>
+                  <a:schemeClr val="tx2"/>
                 </a:solidFill>
                 <a:effectLst>
                   <a:reflection blurRad="6350" stA="53000" endA="300" endPos="35500" dir="5400000" sy="-90000" algn="bl" rotWithShape="0"/>
@@ -5952,7 +5950,7 @@
         </p:nvSpPr>
         <p:spPr>
           <a:xfrm>
-            <a:off x="4876800" y="4011231"/>
+            <a:off x="4876800" y="4360015"/>
             <a:ext cx="8128000" cy="973985"/>
           </a:xfrm>
           <a:prstGeom prst="rect">
@@ -5971,9 +5969,7 @@
               <a:rPr lang="en-US" sz="5689" b="1" dirty="0" err="1">
                 <a:ln w="0"/>
                 <a:solidFill>
-                  <a:srgbClr val="4BACC6">
-                    <a:lumMod val="75000"/>
-                  </a:srgbClr>
+                  <a:schemeClr val="tx2"/>
                 </a:solidFill>
                 <a:effectLst>
                   <a:reflection blurRad="6350" stA="53000" endA="300" endPos="35500" dir="5400000" sy="-90000" algn="bl" rotWithShape="0"/>
@@ -5986,9 +5982,7 @@
               <a:rPr lang="en-US" sz="5689" b="1" dirty="0">
                 <a:ln w="0"/>
                 <a:solidFill>
-                  <a:srgbClr val="4BACC6">
-                    <a:lumMod val="75000"/>
-                  </a:srgbClr>
+                  <a:schemeClr val="tx2"/>
                 </a:solidFill>
                 <a:effectLst>
                   <a:reflection blurRad="6350" stA="53000" endA="300" endPos="35500" dir="5400000" sy="-90000" algn="bl" rotWithShape="0"/>
@@ -6000,9 +5994,7 @@
             <a:endParaRPr lang="en-US" sz="5689" b="1" dirty="0">
               <a:ln w="0"/>
               <a:solidFill>
-                <a:srgbClr val="4BACC6">
-                  <a:lumMod val="75000"/>
-                </a:srgbClr>
+                <a:schemeClr val="tx2"/>
               </a:solidFill>
               <a:effectLst>
                 <a:reflection blurRad="6350" stA="53000" endA="300" endPos="35500" dir="5400000" sy="-90000" algn="bl" rotWithShape="0"/>
@@ -16766,8 +16758,8 @@
         </p:nvSpPr>
         <p:spPr>
           <a:xfrm>
-            <a:off x="5766718" y="4597714"/>
-            <a:ext cx="5930265" cy="635000"/>
+            <a:off x="3537575" y="4530589"/>
+            <a:ext cx="5930265" cy="738664"/>
           </a:xfrm>
           <a:prstGeom prst="rect">
             <a:avLst/>
@@ -16864,9 +16856,76 @@
               </a:rPr>
               <a:t>t</a:t>
             </a:r>
-            <a:endParaRPr sz="4800">
+            <a:endParaRPr sz="4800" dirty="0">
               <a:latin typeface="Calibri"/>
               <a:cs typeface="Calibri"/>
+            </a:endParaRPr>
+          </a:p>
+        </p:txBody>
+      </p:sp>
+      <p:sp>
+        <p:nvSpPr>
+          <p:cNvPr id="2" name="Rectangle 1"/>
+          <p:cNvSpPr/>
+          <p:nvPr/>
+        </p:nvSpPr>
+        <p:spPr>
+          <a:xfrm>
+            <a:off x="4401011" y="49649"/>
+            <a:ext cx="4203395" cy="1169551"/>
+          </a:xfrm>
+          <a:prstGeom prst="rect">
+            <a:avLst/>
+          </a:prstGeom>
+          <a:noFill/>
+        </p:spPr>
+        <p:txBody>
+          <a:bodyPr wrap="none" lIns="91440" tIns="45720" rIns="91440" bIns="45720">
+            <a:spAutoFit/>
+          </a:bodyPr>
+          <a:lstStyle/>
+          <a:p>
+            <a:pPr algn="ctr"/>
+            <a:r>
+              <a:rPr lang="en-US" altLang="ja-JP" sz="7000" b="1" cap="none" spc="0" dirty="0" smtClean="0">
+                <a:ln w="9525">
+                  <a:solidFill>
+                    <a:schemeClr val="bg1"/>
+                  </a:solidFill>
+                  <a:prstDash val="solid"/>
+                </a:ln>
+                <a:solidFill>
+                  <a:schemeClr val="tx2"/>
+                </a:solidFill>
+                <a:effectLst>
+                  <a:outerShdw blurRad="12700" dist="38100" dir="2700000" algn="tl" rotWithShape="0">
+                    <a:schemeClr val="accent5">
+                      <a:lumMod val="60000"/>
+                      <a:lumOff val="40000"/>
+                    </a:schemeClr>
+                  </a:outerShdw>
+                </a:effectLst>
+              </a:rPr>
+              <a:t>Module 08</a:t>
+            </a:r>
+            <a:endParaRPr lang="en-US" altLang="ja-JP" sz="7000" b="1" cap="none" spc="0" dirty="0">
+              <a:ln w="9525">
+                <a:solidFill>
+                  <a:schemeClr val="bg1"/>
+                </a:solidFill>
+                <a:prstDash val="solid"/>
+              </a:ln>
+              <a:solidFill>
+                <a:schemeClr val="tx2"/>
+              </a:solidFill>
+              <a:effectLst>
+                <a:outerShdw blurRad="12700" dist="38100" dir="2700000" algn="tl" rotWithShape="0">
+                  <a:schemeClr val="accent5">
+                    <a:lumMod val="60000"/>
+                    <a:lumOff val="40000"/>
+                  </a:schemeClr>
+                </a:outerShdw>
+              </a:effectLst>
             </a:endParaRPr>
           </a:p>
         </p:txBody>
